--- a/Poster.pptx
+++ b/Poster.pptx
@@ -2975,10 +2975,10 @@
       </p:grpSpPr>
       <p:pic>
         <p:nvPicPr>
-          <p:cNvPr id="16" name="Kuva 15" descr="Kuva, joka sisältää kohteen näyttökuva&#10;&#10;Kuvaus luotu automaattisesti">
-            <a:extLst>
-              <a:ext uri="{FF2B5EF4-FFF2-40B4-BE49-F238E27FC236}">
-                <a16:creationId xmlns:a16="http://schemas.microsoft.com/office/drawing/2014/main" id="{6EE3147B-D5FB-4880-8F5A-0AD333BB17FB}"/>
+          <p:cNvPr id="34" name="Kuva 33" descr="Kuva, joka sisältää kohteen näyttökuva&#10;&#10;Kuvaus luotu automaattisesti">
+            <a:extLst>
+              <a:ext uri="{FF2B5EF4-FFF2-40B4-BE49-F238E27FC236}">
+                <a16:creationId xmlns:a16="http://schemas.microsoft.com/office/drawing/2014/main" id="{C25C8618-F373-4952-A675-5F051D2001ED}"/>
               </a:ext>
             </a:extLst>
           </p:cNvPr>
@@ -2995,8 +2995,8 @@
         </p:blipFill>
         <p:spPr>
           <a:xfrm>
-            <a:off x="15551501" y="6569657"/>
-            <a:ext cx="17621265" cy="9720784"/>
+            <a:off x="13987691" y="7112835"/>
+            <a:ext cx="21236646" cy="9013518"/>
           </a:xfrm>
           <a:prstGeom prst="rect">
             <a:avLst/>
@@ -3382,7 +3382,7 @@
         </p:nvSpPr>
         <p:spPr>
           <a:xfrm>
-            <a:off x="40780871" y="16525090"/>
+            <a:off x="40780871" y="16290404"/>
             <a:ext cx="4342856" cy="1126462"/>
           </a:xfrm>
           <a:prstGeom prst="rect">
@@ -3397,7 +3397,7 @@
           <a:lstStyle/>
           <a:p>
             <a:r>
-              <a:rPr lang="en-US" sz="6720"/>
+              <a:rPr lang="en-US" sz="6720" dirty="0"/>
               <a:t>Conclusions</a:t>
             </a:r>
           </a:p>
@@ -3467,7 +3467,7 @@
         </p:blipFill>
         <p:spPr>
           <a:xfrm>
-            <a:off x="1917153" y="16395180"/>
+            <a:off x="1917153" y="16218396"/>
             <a:ext cx="9660025" cy="240118"/>
           </a:xfrm>
           <a:prstGeom prst="rect">
@@ -3718,7 +3718,7 @@
         </p:blipFill>
         <p:spPr>
           <a:xfrm>
-            <a:off x="14129558" y="22321164"/>
+            <a:off x="14129558" y="23401284"/>
             <a:ext cx="392780" cy="375703"/>
           </a:xfrm>
           <a:prstGeom prst="rect">
@@ -3754,7 +3754,7 @@
         </p:blipFill>
         <p:spPr>
           <a:xfrm>
-            <a:off x="14129558" y="23938145"/>
+            <a:off x="14121188" y="25018265"/>
             <a:ext cx="392780" cy="375703"/>
           </a:xfrm>
           <a:prstGeom prst="rect">
@@ -3960,7 +3960,7 @@
         </p:nvSpPr>
         <p:spPr>
           <a:xfrm>
-            <a:off x="40940082" y="21849802"/>
+            <a:off x="40940082" y="22627108"/>
             <a:ext cx="4024435" cy="1126462"/>
           </a:xfrm>
           <a:prstGeom prst="rect">
@@ -3975,7 +3975,7 @@
           <a:lstStyle/>
           <a:p>
             <a:r>
-              <a:rPr lang="en-US" sz="6720"/>
+              <a:rPr lang="en-US" sz="6720" dirty="0"/>
               <a:t>References</a:t>
             </a:r>
           </a:p>
@@ -4316,7 +4316,7 @@
         </p:nvSpPr>
         <p:spPr>
           <a:xfrm>
-            <a:off x="38069422" y="22811540"/>
+            <a:off x="38069422" y="23531620"/>
             <a:ext cx="10427728" cy="1255728"/>
           </a:xfrm>
           <a:prstGeom prst="rect">
@@ -4381,7 +4381,7 @@
         </p:blipFill>
         <p:spPr>
           <a:xfrm>
-            <a:off x="14129558" y="25059717"/>
+            <a:off x="14129558" y="22094306"/>
             <a:ext cx="392780" cy="375703"/>
           </a:xfrm>
           <a:prstGeom prst="rect">
@@ -4489,7 +4489,7 @@
         </p:blipFill>
         <p:spPr>
           <a:xfrm>
-            <a:off x="37620764" y="19514785"/>
+            <a:off x="37620764" y="19314740"/>
             <a:ext cx="448658" cy="376019"/>
           </a:xfrm>
           <a:prstGeom prst="rect">
@@ -4525,7 +4525,7 @@
         </p:blipFill>
         <p:spPr>
           <a:xfrm>
-            <a:off x="13976588" y="16395180"/>
+            <a:off x="13976588" y="16218396"/>
             <a:ext cx="9660025" cy="240118"/>
           </a:xfrm>
           <a:prstGeom prst="rect">
@@ -4561,7 +4561,7 @@
         </p:blipFill>
         <p:spPr>
           <a:xfrm>
-            <a:off x="25214688" y="16372071"/>
+            <a:off x="25214688" y="16146388"/>
             <a:ext cx="9660025" cy="240118"/>
           </a:xfrm>
           <a:prstGeom prst="rect">
@@ -4633,7 +4633,7 @@
         </p:blipFill>
         <p:spPr>
           <a:xfrm>
-            <a:off x="38439186" y="16361051"/>
+            <a:off x="38439186" y="16146388"/>
             <a:ext cx="9660025" cy="240118"/>
           </a:xfrm>
           <a:prstGeom prst="rect">
@@ -4669,7 +4669,7 @@
         </p:blipFill>
         <p:spPr>
           <a:xfrm>
-            <a:off x="38572523" y="21777337"/>
+            <a:off x="38572523" y="22555100"/>
             <a:ext cx="9660025" cy="240118"/>
           </a:xfrm>
           <a:prstGeom prst="rect">
@@ -4812,7 +4812,7 @@
         </p:blipFill>
         <p:spPr>
           <a:xfrm>
-            <a:off x="37620764" y="17949436"/>
+            <a:off x="37620764" y="17595664"/>
             <a:ext cx="448658" cy="376019"/>
           </a:xfrm>
           <a:prstGeom prst="rect">
@@ -5136,7 +5136,7 @@
           <a:p>
             <a:r>
               <a:rPr lang="en-US" sz="2940" dirty="0"/>
-              <a:t>Predictive utility score of the tested models ranged from -0.0004 to 0.0534. Details in Table 1 below.</a:t>
+              <a:t>Predictive utility score of the tested models ranged from          -0.0004 to 0.0534. Details in Table 1 below.</a:t>
             </a:r>
           </a:p>
         </p:txBody>
@@ -5190,8 +5190,8 @@
         </p:nvSpPr>
         <p:spPr>
           <a:xfrm>
-            <a:off x="38429013" y="17796304"/>
-            <a:ext cx="9947044" cy="997196"/>
+            <a:off x="38429013" y="17298516"/>
+            <a:ext cx="10304998" cy="1449628"/>
           </a:xfrm>
           <a:prstGeom prst="rect">
             <a:avLst/>
@@ -5206,7 +5206,7 @@
           <a:p>
             <a:r>
               <a:rPr lang="en-US" sz="2940" dirty="0"/>
-              <a:t>Generative models perform significantly better than the linear model and the LSTM neural network implementation</a:t>
+              <a:t>Multivariate data in medical events has rarely linear relationships. Therefore the model that expected non-linearity and non-independent residuals performed better than the simpler models.</a:t>
             </a:r>
           </a:p>
         </p:txBody>
@@ -5225,8 +5225,8 @@
         </p:nvSpPr>
         <p:spPr>
           <a:xfrm>
-            <a:off x="38307714" y="19392693"/>
-            <a:ext cx="9947044" cy="1902059"/>
+            <a:off x="38410684" y="19170724"/>
+            <a:ext cx="10699864" cy="1449628"/>
           </a:xfrm>
           <a:prstGeom prst="rect">
             <a:avLst/>
@@ -5249,7 +5249,7 @@
             </a:r>
             <a:r>
               <a:rPr lang="en-US" sz="2940" dirty="0"/>
-              <a:t> 2019 challenge ranged from 0.425 to 0.433 for the top 10, meaning that our implementation performed significantly worse than the top models trained for the same dataset</a:t>
+              <a:t> 2019 challenge ranged from 0.425 to 0.433 for the top 10, meaning that our implementation performed significantly worse than the top models trained for the same dataset.</a:t>
             </a:r>
           </a:p>
         </p:txBody>
@@ -5268,7 +5268,7 @@
         </p:nvSpPr>
         <p:spPr>
           <a:xfrm>
-            <a:off x="38060584" y="24251700"/>
+            <a:off x="38060584" y="24971780"/>
             <a:ext cx="10427728" cy="1255728"/>
           </a:xfrm>
           <a:prstGeom prst="rect">
@@ -5397,7 +5397,7 @@
         </p:nvSpPr>
         <p:spPr>
           <a:xfrm>
-            <a:off x="14802000" y="22195060"/>
+            <a:off x="14729992" y="23275180"/>
             <a:ext cx="9797281" cy="1449628"/>
           </a:xfrm>
           <a:prstGeom prst="rect">
@@ -5432,8 +5432,8 @@
         </p:nvSpPr>
         <p:spPr>
           <a:xfrm>
-            <a:off x="14802000" y="25003372"/>
-            <a:ext cx="9797281" cy="544765"/>
+            <a:off x="14709377" y="22061960"/>
+            <a:ext cx="9797281" cy="997196"/>
           </a:xfrm>
           <a:prstGeom prst="rect">
             <a:avLst/>
@@ -5448,8 +5448,17 @@
           <a:p>
             <a:r>
               <a:rPr lang="en-US" sz="2940" dirty="0"/>
-              <a:t>For models 1-3 in figure 1, assumption of normality was used.</a:t>
-            </a:r>
+              <a:t>For models 1-3 in figure 1, it is assumed that the data is normally distributed Y~N(</a:t>
+            </a:r>
+            <a:r>
+              <a:rPr lang="el-GR" sz="2940" dirty="0"/>
+              <a:t>μ</a:t>
+            </a:r>
+            <a:r>
+              <a:rPr lang="de-DE" sz="2940" dirty="0"/>
+              <a:t>(X), D).</a:t>
+            </a:r>
+            <a:endParaRPr lang="en-US" sz="2940" dirty="0"/>
           </a:p>
         </p:txBody>
       </p:sp>
@@ -5532,7 +5541,7 @@
         </p:nvSpPr>
         <p:spPr>
           <a:xfrm>
-            <a:off x="14802000" y="23851244"/>
+            <a:off x="14682354" y="24931364"/>
             <a:ext cx="10119778" cy="997196"/>
           </a:xfrm>
           <a:prstGeom prst="rect">
@@ -5583,7 +5592,7 @@
           <a:p>
             <a:r>
               <a:rPr lang="en-US" sz="2940" dirty="0"/>
-              <a:t>We employed both linear and non-linear models in the pipeline, together with Bayes classifier</a:t>
+              <a:t>We employed both linear and non-linear generative models in the pipeline, together with simple Bayes classifier</a:t>
             </a:r>
           </a:p>
         </p:txBody>
@@ -5674,7 +5683,7 @@
           <p:nvPr>
             <p:extLst>
               <p:ext uri="{D42A27DB-BD31-4B8C-83A1-F6EECF244321}">
-                <p14:modId xmlns:p14="http://schemas.microsoft.com/office/powerpoint/2010/main" val="3148356733"/>
+                <p14:modId xmlns:p14="http://schemas.microsoft.com/office/powerpoint/2010/main" val="2709608201"/>
               </p:ext>
             </p:extLst>
           </p:nvPr>
@@ -5961,15 +5970,15 @@
                     <a:p>
                       <a:r>
                         <a:rPr lang="de-DE" sz="3500" dirty="0"/>
-                        <a:t>Reg. </a:t>
+                        <a:t>Regression </a:t>
                       </a:r>
                       <a:r>
                         <a:rPr lang="de-DE" sz="3500" dirty="0" err="1"/>
-                        <a:t>Coef</a:t>
+                        <a:t>Coeff</a:t>
                       </a:r>
                       <a:r>
                         <a:rPr lang="de-DE" sz="3500" dirty="0"/>
-                        <a:t>.: 34</a:t>
+                        <a:t>.: 7x34</a:t>
                       </a:r>
                     </a:p>
                   </a:txBody>
@@ -6018,7 +6027,7 @@
                     <a:lstStyle/>
                     <a:p>
                       <a:r>
-                        <a:rPr lang="de-DE" sz="3500" dirty="0"/>
+                        <a:rPr lang="de-DE" sz="3500" b="1" dirty="0"/>
                         <a:t>0.0284</a:t>
                       </a:r>
                     </a:p>
@@ -6458,7 +6467,7 @@
                     <a:lstStyle/>
                     <a:p>
                       <a:r>
-                        <a:rPr lang="de-DE" sz="3500" dirty="0"/>
+                        <a:rPr lang="de-DE" sz="3500" b="1" dirty="0"/>
                         <a:t>0.0458</a:t>
                       </a:r>
                     </a:p>
@@ -6766,7 +6775,7 @@
                     <a:lstStyle/>
                     <a:p>
                       <a:r>
-                        <a:rPr lang="de-DE" sz="3500" dirty="0"/>
+                        <a:rPr lang="de-DE" sz="3500" b="1" dirty="0"/>
                         <a:t>0.0534</a:t>
                       </a:r>
                     </a:p>
@@ -6873,6 +6882,14 @@
                     <a:bodyPr/>
                     <a:lstStyle/>
                     <a:p>
+                      <a:r>
+                        <a:rPr lang="de-DE" sz="3500" dirty="0"/>
+                        <a:t>2 LSTM </a:t>
+                      </a:r>
+                      <a:r>
+                        <a:rPr lang="de-DE" sz="3500" dirty="0" err="1"/>
+                        <a:t>layers</a:t>
+                      </a:r>
                       <a:endParaRPr lang="de-DE" sz="3500" dirty="0"/>
                     </a:p>
                   </a:txBody>
@@ -6921,7 +6938,7 @@
                     <a:lstStyle/>
                     <a:p>
                       <a:r>
-                        <a:rPr lang="de-DE" sz="3500" dirty="0"/>
+                        <a:rPr lang="de-DE" sz="3500" b="1" dirty="0"/>
                         <a:t>0.0076</a:t>
                       </a:r>
                     </a:p>
@@ -6975,6 +6992,77 @@
           </a:graphicData>
         </a:graphic>
       </p:graphicFrame>
+      <p:pic>
+        <p:nvPicPr>
+          <p:cNvPr id="141" name="Picture 91">
+            <a:extLst>
+              <a:ext uri="{FF2B5EF4-FFF2-40B4-BE49-F238E27FC236}">
+                <a16:creationId xmlns:a16="http://schemas.microsoft.com/office/drawing/2014/main" id="{C0DB9581-742F-46AE-8270-D8FD9623392C}"/>
+              </a:ext>
+            </a:extLst>
+          </p:cNvPr>
+          <p:cNvPicPr>
+            <a:picLocks noChangeAspect="1"/>
+          </p:cNvPicPr>
+          <p:nvPr/>
+        </p:nvPicPr>
+        <p:blipFill>
+          <a:blip r:embed="rId7">
+            <a:extLst>
+              <a:ext uri="{28A0092B-C50C-407E-A947-70E740481C1C}">
+                <a14:useLocalDpi xmlns:a14="http://schemas.microsoft.com/office/drawing/2010/main" val="0"/>
+              </a:ext>
+            </a:extLst>
+          </a:blip>
+          <a:stretch>
+            <a:fillRect/>
+          </a:stretch>
+        </p:blipFill>
+        <p:spPr>
+          <a:xfrm>
+            <a:off x="37628536" y="21170969"/>
+            <a:ext cx="448658" cy="376019"/>
+          </a:xfrm>
+          <a:prstGeom prst="rect">
+            <a:avLst/>
+          </a:prstGeom>
+        </p:spPr>
+      </p:pic>
+      <p:sp>
+        <p:nvSpPr>
+          <p:cNvPr id="142" name="TextBox 65">
+            <a:extLst>
+              <a:ext uri="{FF2B5EF4-FFF2-40B4-BE49-F238E27FC236}">
+                <a16:creationId xmlns:a16="http://schemas.microsoft.com/office/drawing/2014/main" id="{FD6BAF88-D414-498C-A456-0AC5CBBA9C39}"/>
+              </a:ext>
+            </a:extLst>
+          </p:cNvPr>
+          <p:cNvSpPr txBox="1"/>
+          <p:nvPr/>
+        </p:nvSpPr>
+        <p:spPr>
+          <a:xfrm>
+            <a:off x="38410684" y="21033464"/>
+            <a:ext cx="9947044" cy="1449628"/>
+          </a:xfrm>
+          <a:prstGeom prst="rect">
+            <a:avLst/>
+          </a:prstGeom>
+          <a:noFill/>
+        </p:spPr>
+        <p:txBody>
+          <a:bodyPr wrap="square" rtlCol="0">
+            <a:spAutoFit/>
+          </a:bodyPr>
+          <a:lstStyle/>
+          <a:p>
+            <a:r>
+              <a:rPr lang="en-US" sz="2940" dirty="0"/>
+              <a:t>The generative models are easy to implement and perform well against the discriminative models, where the data imputation for missing data needs to be taken care of separately.</a:t>
+            </a:r>
+          </a:p>
+        </p:txBody>
+      </p:sp>
     </p:spTree>
     <p:extLst>
       <p:ext uri="{BB962C8B-B14F-4D97-AF65-F5344CB8AC3E}">
